--- a/Tutorial_material/20191011/20191011.pptx
+++ b/Tutorial_material/20191011/20191011.pptx
@@ -246,7 +246,7 @@
           <a:p>
             <a:fld id="{63A1C593-65D0-4073-BCC9-577B9352EA97}" type="datetimeFigureOut">
               <a:rPr lang="en-US" smtClean="0"/>
-              <a:t>10/10/2019</a:t>
+              <a:t>10/11/2019</a:t>
             </a:fld>
             <a:endParaRPr lang="en-US"/>
           </a:p>
@@ -414,7 +414,7 @@
           <a:p>
             <a:fld id="{63A1C593-65D0-4073-BCC9-577B9352EA97}" type="datetimeFigureOut">
               <a:rPr lang="en-US" smtClean="0"/>
-              <a:t>10/10/2019</a:t>
+              <a:t>10/11/2019</a:t>
             </a:fld>
             <a:endParaRPr lang="en-US"/>
           </a:p>
@@ -592,7 +592,7 @@
           <a:p>
             <a:fld id="{63A1C593-65D0-4073-BCC9-577B9352EA97}" type="datetimeFigureOut">
               <a:rPr lang="en-US" smtClean="0"/>
-              <a:t>10/10/2019</a:t>
+              <a:t>10/11/2019</a:t>
             </a:fld>
             <a:endParaRPr lang="en-US"/>
           </a:p>
@@ -760,7 +760,7 @@
           <a:p>
             <a:fld id="{63A1C593-65D0-4073-BCC9-577B9352EA97}" type="datetimeFigureOut">
               <a:rPr lang="en-US" smtClean="0"/>
-              <a:t>10/10/2019</a:t>
+              <a:t>10/11/2019</a:t>
             </a:fld>
             <a:endParaRPr lang="en-US"/>
           </a:p>
@@ -1005,7 +1005,7 @@
           <a:p>
             <a:fld id="{63A1C593-65D0-4073-BCC9-577B9352EA97}" type="datetimeFigureOut">
               <a:rPr lang="en-US" smtClean="0"/>
-              <a:t>10/10/2019</a:t>
+              <a:t>10/11/2019</a:t>
             </a:fld>
             <a:endParaRPr lang="en-US"/>
           </a:p>
@@ -1234,7 +1234,7 @@
           <a:p>
             <a:fld id="{63A1C593-65D0-4073-BCC9-577B9352EA97}" type="datetimeFigureOut">
               <a:rPr lang="en-US" smtClean="0"/>
-              <a:t>10/10/2019</a:t>
+              <a:t>10/11/2019</a:t>
             </a:fld>
             <a:endParaRPr lang="en-US"/>
           </a:p>
@@ -1598,7 +1598,7 @@
           <a:p>
             <a:fld id="{63A1C593-65D0-4073-BCC9-577B9352EA97}" type="datetimeFigureOut">
               <a:rPr lang="en-US" smtClean="0"/>
-              <a:t>10/10/2019</a:t>
+              <a:t>10/11/2019</a:t>
             </a:fld>
             <a:endParaRPr lang="en-US"/>
           </a:p>
@@ -1715,7 +1715,7 @@
           <a:p>
             <a:fld id="{63A1C593-65D0-4073-BCC9-577B9352EA97}" type="datetimeFigureOut">
               <a:rPr lang="en-US" smtClean="0"/>
-              <a:t>10/10/2019</a:t>
+              <a:t>10/11/2019</a:t>
             </a:fld>
             <a:endParaRPr lang="en-US"/>
           </a:p>
@@ -1810,7 +1810,7 @@
           <a:p>
             <a:fld id="{63A1C593-65D0-4073-BCC9-577B9352EA97}" type="datetimeFigureOut">
               <a:rPr lang="en-US" smtClean="0"/>
-              <a:t>10/10/2019</a:t>
+              <a:t>10/11/2019</a:t>
             </a:fld>
             <a:endParaRPr lang="en-US"/>
           </a:p>
@@ -2085,7 +2085,7 @@
           <a:p>
             <a:fld id="{63A1C593-65D0-4073-BCC9-577B9352EA97}" type="datetimeFigureOut">
               <a:rPr lang="en-US" smtClean="0"/>
-              <a:t>10/10/2019</a:t>
+              <a:t>10/11/2019</a:t>
             </a:fld>
             <a:endParaRPr lang="en-US"/>
           </a:p>
@@ -2337,7 +2337,7 @@
           <a:p>
             <a:fld id="{63A1C593-65D0-4073-BCC9-577B9352EA97}" type="datetimeFigureOut">
               <a:rPr lang="en-US" smtClean="0"/>
-              <a:t>10/10/2019</a:t>
+              <a:t>10/11/2019</a:t>
             </a:fld>
             <a:endParaRPr lang="en-US"/>
           </a:p>
@@ -2548,7 +2548,7 @@
           <a:p>
             <a:fld id="{63A1C593-65D0-4073-BCC9-577B9352EA97}" type="datetimeFigureOut">
               <a:rPr lang="en-US" smtClean="0"/>
-              <a:t>10/10/2019</a:t>
+              <a:t>10/11/2019</a:t>
             </a:fld>
             <a:endParaRPr lang="en-US"/>
           </a:p>
@@ -3140,8 +3140,8 @@
           </a:p>
         </p:txBody>
       </p:sp>
-      <mc:AlternateContent xmlns:mc="http://schemas.openxmlformats.org/markup-compatibility/2006" xmlns:a14="http://schemas.microsoft.com/office/drawing/2010/main">
-        <mc:Choice Requires="a14">
+      <mc:AlternateContent xmlns:mc="http://schemas.openxmlformats.org/markup-compatibility/2006">
+        <mc:Choice xmlns:a14="http://schemas.microsoft.com/office/drawing/2010/main" Requires="a14">
           <p:sp>
             <p:nvSpPr>
               <p:cNvPr id="3" name="内容占位符 2">
@@ -3169,6 +3169,12 @@
                 <a:normAutofit/>
               </a:bodyPr>
               <a:lstStyle/>
+              <a:p>
+                <a:r>
+                  <a:rPr lang="en-US" altLang="zh-CN" dirty="0"/>
+                  <a:t>Bisection method</a:t>
+                </a:r>
+              </a:p>
               <a:p>
                 <a:r>
                   <a:rPr lang="en-US" altLang="zh-CN" dirty="0"/>
@@ -3286,17 +3292,13 @@
                 </a14:m>
                 <a:r>
                   <a:rPr lang="en-US" altLang="zh-CN" dirty="0"/>
-                  <a:t> are opposite sign.</a:t>
+                  <a:t> are </a:t>
                 </a:r>
-              </a:p>
-              <a:p>
+                <a:r>
+                  <a:rPr lang="en-US" altLang="zh-CN"/>
+                  <a:t>opposite sign.</a:t>
+                </a:r>
                 <a:endParaRPr lang="en-US" altLang="zh-CN" dirty="0"/>
-              </a:p>
-              <a:p>
-                <a:r>
-                  <a:rPr lang="en-US" altLang="zh-CN" dirty="0"/>
-                  <a:t>Bisection method</a:t>
-                </a:r>
               </a:p>
               <a:p>
                 <a:pPr marL="0" indent="0">
@@ -3782,7 +3784,7 @@
             </p:txBody>
           </p:sp>
         </mc:Choice>
-        <mc:Fallback xmlns="">
+        <mc:Fallback>
           <p:sp>
             <p:nvSpPr>
               <p:cNvPr id="3" name="内容占位符 2">
@@ -3807,7 +3809,7 @@
               <a:blipFill>
                 <a:blip r:embed="rId2"/>
                 <a:stretch>
-                  <a:fillRect l="-1217" t="-2109" r="-1333" b="-3226"/>
+                  <a:fillRect l="-1217" t="-2109" r="-1333"/>
                 </a:stretch>
               </a:blipFill>
             </p:spPr>
@@ -4427,8 +4429,8 @@
           <a:chExt cx="0" cy="0"/>
         </a:xfrm>
       </p:grpSpPr>
-      <mc:AlternateContent xmlns:mc="http://schemas.openxmlformats.org/markup-compatibility/2006">
-        <mc:Choice xmlns:a14="http://schemas.microsoft.com/office/drawing/2010/main" Requires="a14">
+      <mc:AlternateContent xmlns:mc="http://schemas.openxmlformats.org/markup-compatibility/2006" xmlns:a14="http://schemas.microsoft.com/office/drawing/2010/main">
+        <mc:Choice Requires="a14">
           <p:sp>
             <p:nvSpPr>
               <p:cNvPr id="4" name="文本框 3">
@@ -4625,7 +4627,7 @@
             </p:txBody>
           </p:sp>
         </mc:Choice>
-        <mc:Fallback>
+        <mc:Fallback xmlns="">
           <p:sp>
             <p:nvSpPr>
               <p:cNvPr id="4" name="文本框 3">

--- a/Tutorial_material/20191011/20191011.pptx
+++ b/Tutorial_material/20191011/20191011.pptx
@@ -3292,11 +3292,11 @@
                 </a14:m>
                 <a:r>
                   <a:rPr lang="en-US" altLang="zh-CN" dirty="0"/>
-                  <a:t> are </a:t>
+                  <a:t> have </a:t>
                 </a:r>
                 <a:r>
                   <a:rPr lang="en-US" altLang="zh-CN"/>
-                  <a:t>opposite sign.</a:t>
+                  <a:t>opposite signs.</a:t>
                 </a:r>
                 <a:endParaRPr lang="en-US" altLang="zh-CN" dirty="0"/>
               </a:p>
